--- a/Midterm Presentation.pptx
+++ b/Midterm Presentation.pptx
@@ -6,6 +6,11 @@
   </p:sldMasterIdLst>
   <p:sldIdLst>
     <p:sldId id="256" r:id="rId2"/>
+    <p:sldId id="258" r:id="rId3"/>
+    <p:sldId id="259" r:id="rId4"/>
+    <p:sldId id="257" r:id="rId5"/>
+    <p:sldId id="260" r:id="rId6"/>
+    <p:sldId id="261" r:id="rId7"/>
   </p:sldIdLst>
   <p:sldSz cx="12192000" cy="6858000"/>
   <p:notesSz cx="6858000" cy="9144000"/>
@@ -104,6 +109,11 @@
       </a:defRPr>
     </a:lvl9pPr>
   </p:defaultTextStyle>
+  <p:extLst>
+    <p:ext uri="{EFAFB233-063F-42B5-8137-9DF3F51BA10A}">
+      <p15:sldGuideLst xmlns:p15="http://schemas.microsoft.com/office/powerpoint/2012/main"/>
+    </p:ext>
+  </p:extLst>
 </p:presentation>
 </file>
 
@@ -5669,7 +5679,7 @@
             </a:r>
             <a:r>
               <a:rPr lang="en-US" dirty="0" err="1" smtClean="0"/>
-              <a:t>Bromenshenkl</a:t>
+              <a:t>Bromenshenkel</a:t>
             </a:r>
             <a:endParaRPr lang="en-US" dirty="0" smtClean="0"/>
           </a:p>
@@ -5686,6 +5696,778 @@
     <p:extLst>
       <p:ext uri="{BB962C8B-B14F-4D97-AF65-F5344CB8AC3E}">
         <p14:creationId xmlns:p14="http://schemas.microsoft.com/office/powerpoint/2010/main" val="2758808169"/>
+      </p:ext>
+    </p:extLst>
+  </p:cSld>
+  <p:clrMapOvr>
+    <a:masterClrMapping/>
+  </p:clrMapOvr>
+</p:sld>
+</file>
+
+<file path=ppt/slides/slide2.xml><?xml version="1.0" encoding="utf-8"?>
+<p:sld xmlns:a="http://schemas.openxmlformats.org/drawingml/2006/main" xmlns:r="http://schemas.openxmlformats.org/officeDocument/2006/relationships" xmlns:p="http://schemas.openxmlformats.org/presentationml/2006/main">
+  <p:cSld>
+    <p:spTree>
+      <p:nvGrpSpPr>
+        <p:cNvPr id="1" name=""/>
+        <p:cNvGrpSpPr/>
+        <p:nvPr/>
+      </p:nvGrpSpPr>
+      <p:grpSpPr>
+        <a:xfrm>
+          <a:off x="0" y="0"/>
+          <a:ext cx="0" cy="0"/>
+          <a:chOff x="0" y="0"/>
+          <a:chExt cx="0" cy="0"/>
+        </a:xfrm>
+      </p:grpSpPr>
+      <p:sp>
+        <p:nvSpPr>
+          <p:cNvPr id="2" name="Title 1"/>
+          <p:cNvSpPr>
+            <a:spLocks noGrp="1"/>
+          </p:cNvSpPr>
+          <p:nvPr>
+            <p:ph type="title"/>
+          </p:nvPr>
+        </p:nvSpPr>
+        <p:spPr/>
+        <p:txBody>
+          <a:bodyPr/>
+          <a:lstStyle/>
+          <a:p>
+            <a:pPr algn="l"/>
+            <a:r>
+              <a:rPr lang="en-US" dirty="0" smtClean="0"/>
+              <a:t>Main Objective</a:t>
+            </a:r>
+            <a:endParaRPr lang="en-US" dirty="0"/>
+          </a:p>
+        </p:txBody>
+      </p:sp>
+      <p:sp>
+        <p:nvSpPr>
+          <p:cNvPr id="3" name="Content Placeholder 2"/>
+          <p:cNvSpPr>
+            <a:spLocks noGrp="1"/>
+          </p:cNvSpPr>
+          <p:nvPr>
+            <p:ph idx="1"/>
+          </p:nvPr>
+        </p:nvSpPr>
+        <p:spPr/>
+        <p:txBody>
+          <a:bodyPr/>
+          <a:lstStyle/>
+          <a:p>
+            <a:r>
+              <a:rPr lang="en-US" dirty="0" smtClean="0"/>
+              <a:t>Create a system which can take in camera input, process the image, and use the data to drive a robot.</a:t>
+            </a:r>
+            <a:endParaRPr lang="en-US" dirty="0"/>
+          </a:p>
+        </p:txBody>
+      </p:sp>
+      <p:pic>
+        <p:nvPicPr>
+          <p:cNvPr id="4" name="Picture 3"/>
+          <p:cNvPicPr>
+            <a:picLocks noChangeAspect="1"/>
+          </p:cNvPicPr>
+          <p:nvPr/>
+        </p:nvPicPr>
+        <p:blipFill>
+          <a:blip r:embed="rId2" cstate="print">
+            <a:extLst>
+              <a:ext uri="{28A0092B-C50C-407E-A947-70E740481C1C}">
+                <a14:useLocalDpi xmlns:a14="http://schemas.microsoft.com/office/drawing/2010/main" val="0"/>
+              </a:ext>
+            </a:extLst>
+          </a:blip>
+          <a:stretch>
+            <a:fillRect/>
+          </a:stretch>
+        </p:blipFill>
+        <p:spPr>
+          <a:xfrm>
+            <a:off x="1735907" y="3431177"/>
+            <a:ext cx="3558903" cy="2669177"/>
+          </a:xfrm>
+          <a:prstGeom prst="rect">
+            <a:avLst/>
+          </a:prstGeom>
+        </p:spPr>
+      </p:pic>
+      <p:pic>
+        <p:nvPicPr>
+          <p:cNvPr id="5" name="Picture 4"/>
+          <p:cNvPicPr>
+            <a:picLocks noChangeAspect="1"/>
+          </p:cNvPicPr>
+          <p:nvPr/>
+        </p:nvPicPr>
+        <p:blipFill>
+          <a:blip r:embed="rId3">
+            <a:extLst>
+              <a:ext uri="{28A0092B-C50C-407E-A947-70E740481C1C}">
+                <a14:useLocalDpi xmlns:a14="http://schemas.microsoft.com/office/drawing/2010/main" val="0"/>
+              </a:ext>
+            </a:extLst>
+          </a:blip>
+          <a:stretch>
+            <a:fillRect/>
+          </a:stretch>
+        </p:blipFill>
+        <p:spPr>
+          <a:xfrm>
+            <a:off x="6499643" y="3660188"/>
+            <a:ext cx="3921112" cy="2211153"/>
+          </a:xfrm>
+          <a:prstGeom prst="rect">
+            <a:avLst/>
+          </a:prstGeom>
+        </p:spPr>
+      </p:pic>
+    </p:spTree>
+    <p:extLst>
+      <p:ext uri="{BB962C8B-B14F-4D97-AF65-F5344CB8AC3E}">
+        <p14:creationId xmlns:p14="http://schemas.microsoft.com/office/powerpoint/2010/main" val="3885925163"/>
+      </p:ext>
+    </p:extLst>
+  </p:cSld>
+  <p:clrMapOvr>
+    <a:masterClrMapping/>
+  </p:clrMapOvr>
+</p:sld>
+</file>
+
+<file path=ppt/slides/slide3.xml><?xml version="1.0" encoding="utf-8"?>
+<p:sld xmlns:a="http://schemas.openxmlformats.org/drawingml/2006/main" xmlns:r="http://schemas.openxmlformats.org/officeDocument/2006/relationships" xmlns:p="http://schemas.openxmlformats.org/presentationml/2006/main">
+  <p:cSld>
+    <p:spTree>
+      <p:nvGrpSpPr>
+        <p:cNvPr id="1" name=""/>
+        <p:cNvGrpSpPr/>
+        <p:nvPr/>
+      </p:nvGrpSpPr>
+      <p:grpSpPr>
+        <a:xfrm>
+          <a:off x="0" y="0"/>
+          <a:ext cx="0" cy="0"/>
+          <a:chOff x="0" y="0"/>
+          <a:chExt cx="0" cy="0"/>
+        </a:xfrm>
+      </p:grpSpPr>
+      <p:sp>
+        <p:nvSpPr>
+          <p:cNvPr id="2" name="Title 1"/>
+          <p:cNvSpPr>
+            <a:spLocks noGrp="1"/>
+          </p:cNvSpPr>
+          <p:nvPr>
+            <p:ph type="title"/>
+          </p:nvPr>
+        </p:nvSpPr>
+        <p:spPr/>
+        <p:txBody>
+          <a:bodyPr/>
+          <a:lstStyle/>
+          <a:p>
+            <a:pPr algn="l"/>
+            <a:r>
+              <a:rPr lang="en-US" dirty="0" smtClean="0"/>
+              <a:t>Current Setup</a:t>
+            </a:r>
+            <a:endParaRPr lang="en-US" dirty="0"/>
+          </a:p>
+        </p:txBody>
+      </p:sp>
+      <p:sp>
+        <p:nvSpPr>
+          <p:cNvPr id="3" name="Content Placeholder 2"/>
+          <p:cNvSpPr>
+            <a:spLocks noGrp="1"/>
+          </p:cNvSpPr>
+          <p:nvPr>
+            <p:ph idx="1"/>
+          </p:nvPr>
+        </p:nvSpPr>
+        <p:spPr/>
+        <p:txBody>
+          <a:bodyPr/>
+          <a:lstStyle/>
+          <a:p>
+            <a:r>
+              <a:rPr lang="en-US" dirty="0" err="1" smtClean="0"/>
+              <a:t>Github</a:t>
+            </a:r>
+            <a:r>
+              <a:rPr lang="en-US" dirty="0" smtClean="0"/>
+              <a:t> Code Repository</a:t>
+            </a:r>
+          </a:p>
+          <a:p>
+            <a:r>
+              <a:rPr lang="en-US" dirty="0" smtClean="0"/>
+              <a:t>Prototype area</a:t>
+            </a:r>
+          </a:p>
+          <a:p>
+            <a:r>
+              <a:rPr lang="en-US" dirty="0" smtClean="0"/>
+              <a:t>Little Robot</a:t>
+            </a:r>
+          </a:p>
+          <a:p>
+            <a:r>
+              <a:rPr lang="en-US" dirty="0" err="1" smtClean="0"/>
+              <a:t>SimpleCV</a:t>
+            </a:r>
+            <a:r>
+              <a:rPr lang="en-US" dirty="0" smtClean="0"/>
+              <a:t> Python Modules</a:t>
+            </a:r>
+            <a:endParaRPr lang="en-US" dirty="0"/>
+          </a:p>
+        </p:txBody>
+      </p:sp>
+      <p:pic>
+        <p:nvPicPr>
+          <p:cNvPr id="4" name="Picture 3"/>
+          <p:cNvPicPr>
+            <a:picLocks noChangeAspect="1"/>
+          </p:cNvPicPr>
+          <p:nvPr/>
+        </p:nvPicPr>
+        <p:blipFill>
+          <a:blip r:embed="rId2">
+            <a:extLst>
+              <a:ext uri="{28A0092B-C50C-407E-A947-70E740481C1C}">
+                <a14:useLocalDpi xmlns:a14="http://schemas.microsoft.com/office/drawing/2010/main" val="0"/>
+              </a:ext>
+            </a:extLst>
+          </a:blip>
+          <a:stretch>
+            <a:fillRect/>
+          </a:stretch>
+        </p:blipFill>
+        <p:spPr>
+          <a:xfrm>
+            <a:off x="9114472" y="401222"/>
+            <a:ext cx="2619375" cy="1743075"/>
+          </a:xfrm>
+          <a:prstGeom prst="rect">
+            <a:avLst/>
+          </a:prstGeom>
+        </p:spPr>
+      </p:pic>
+    </p:spTree>
+    <p:extLst>
+      <p:ext uri="{BB962C8B-B14F-4D97-AF65-F5344CB8AC3E}">
+        <p14:creationId xmlns:p14="http://schemas.microsoft.com/office/powerpoint/2010/main" val="3347165542"/>
+      </p:ext>
+    </p:extLst>
+  </p:cSld>
+  <p:clrMapOvr>
+    <a:masterClrMapping/>
+  </p:clrMapOvr>
+</p:sld>
+</file>
+
+<file path=ppt/slides/slide4.xml><?xml version="1.0" encoding="utf-8"?>
+<p:sld xmlns:a="http://schemas.openxmlformats.org/drawingml/2006/main" xmlns:r="http://schemas.openxmlformats.org/officeDocument/2006/relationships" xmlns:p="http://schemas.openxmlformats.org/presentationml/2006/main">
+  <p:cSld>
+    <p:spTree>
+      <p:nvGrpSpPr>
+        <p:cNvPr id="1" name=""/>
+        <p:cNvGrpSpPr/>
+        <p:nvPr/>
+      </p:nvGrpSpPr>
+      <p:grpSpPr>
+        <a:xfrm>
+          <a:off x="0" y="0"/>
+          <a:ext cx="0" cy="0"/>
+          <a:chOff x="0" y="0"/>
+          <a:chExt cx="0" cy="0"/>
+        </a:xfrm>
+      </p:grpSpPr>
+      <p:sp>
+        <p:nvSpPr>
+          <p:cNvPr id="2" name="Title 1"/>
+          <p:cNvSpPr>
+            <a:spLocks noGrp="1"/>
+          </p:cNvSpPr>
+          <p:nvPr>
+            <p:ph type="title"/>
+          </p:nvPr>
+        </p:nvSpPr>
+        <p:spPr/>
+        <p:txBody>
+          <a:bodyPr/>
+          <a:lstStyle/>
+          <a:p>
+            <a:pPr algn="l"/>
+            <a:r>
+              <a:rPr lang="en-US" dirty="0" err="1" smtClean="0"/>
+              <a:t>SImpleCV</a:t>
+            </a:r>
+            <a:endParaRPr lang="en-US" dirty="0"/>
+          </a:p>
+        </p:txBody>
+      </p:sp>
+      <p:sp>
+        <p:nvSpPr>
+          <p:cNvPr id="3" name="Content Placeholder 2"/>
+          <p:cNvSpPr>
+            <a:spLocks noGrp="1"/>
+          </p:cNvSpPr>
+          <p:nvPr>
+            <p:ph idx="1"/>
+          </p:nvPr>
+        </p:nvSpPr>
+        <p:spPr/>
+        <p:txBody>
+          <a:bodyPr/>
+          <a:lstStyle/>
+          <a:p>
+            <a:r>
+              <a:rPr lang="en-US" dirty="0" smtClean="0"/>
+              <a:t>Simple Computer Vision</a:t>
+            </a:r>
+          </a:p>
+          <a:p>
+            <a:r>
+              <a:rPr lang="en-US" dirty="0" smtClean="0"/>
+              <a:t>Python Module</a:t>
+            </a:r>
+          </a:p>
+          <a:p>
+            <a:pPr lvl="1"/>
+            <a:r>
+              <a:rPr lang="en-US" dirty="0" smtClean="0"/>
+              <a:t>Dependencies: </a:t>
+            </a:r>
+            <a:r>
+              <a:rPr lang="en-US" dirty="0" err="1" smtClean="0"/>
+              <a:t>OpenCV</a:t>
+            </a:r>
+            <a:r>
+              <a:rPr lang="en-US" dirty="0" smtClean="0"/>
+              <a:t>, </a:t>
+            </a:r>
+            <a:r>
+              <a:rPr lang="en-US" dirty="0" err="1" smtClean="0"/>
+              <a:t>Pygame</a:t>
+            </a:r>
+            <a:r>
+              <a:rPr lang="en-US" dirty="0" smtClean="0"/>
+              <a:t>, </a:t>
+            </a:r>
+            <a:r>
+              <a:rPr lang="en-US" dirty="0" err="1" smtClean="0"/>
+              <a:t>Scipy</a:t>
+            </a:r>
+            <a:r>
+              <a:rPr lang="en-US" dirty="0" smtClean="0"/>
+              <a:t>, </a:t>
+            </a:r>
+            <a:r>
+              <a:rPr lang="en-US" dirty="0" err="1" smtClean="0"/>
+              <a:t>Numpy</a:t>
+            </a:r>
+            <a:r>
+              <a:rPr lang="en-US" dirty="0" smtClean="0"/>
+              <a:t>, </a:t>
+            </a:r>
+            <a:r>
+              <a:rPr lang="en-US" dirty="0" err="1" smtClean="0"/>
+              <a:t>SvgWrite</a:t>
+            </a:r>
+            <a:endParaRPr lang="en-US" dirty="0" smtClean="0"/>
+          </a:p>
+          <a:p>
+            <a:pPr lvl="1"/>
+            <a:endParaRPr lang="en-US" dirty="0"/>
+          </a:p>
+          <a:p>
+            <a:r>
+              <a:rPr lang="en-US" dirty="0" smtClean="0"/>
+              <a:t>Ball Track</a:t>
+            </a:r>
+          </a:p>
+          <a:p>
+            <a:pPr lvl="1"/>
+            <a:r>
+              <a:rPr lang="en-US" dirty="0" smtClean="0"/>
+              <a:t>Tracks a ball around the screen</a:t>
+            </a:r>
+            <a:endParaRPr lang="en-US" dirty="0"/>
+          </a:p>
+        </p:txBody>
+      </p:sp>
+      <p:pic>
+        <p:nvPicPr>
+          <p:cNvPr id="4" name="Picture 3"/>
+          <p:cNvPicPr>
+            <a:picLocks noChangeAspect="1"/>
+          </p:cNvPicPr>
+          <p:nvPr/>
+        </p:nvPicPr>
+        <p:blipFill>
+          <a:blip r:embed="rId2" cstate="print">
+            <a:extLst>
+              <a:ext uri="{28A0092B-C50C-407E-A947-70E740481C1C}">
+                <a14:useLocalDpi xmlns:a14="http://schemas.microsoft.com/office/drawing/2010/main" val="0"/>
+              </a:ext>
+            </a:extLst>
+          </a:blip>
+          <a:stretch>
+            <a:fillRect/>
+          </a:stretch>
+        </p:blipFill>
+        <p:spPr>
+          <a:xfrm>
+            <a:off x="8307756" y="513806"/>
+            <a:ext cx="3030803" cy="1974305"/>
+          </a:xfrm>
+          <a:prstGeom prst="rect">
+            <a:avLst/>
+          </a:prstGeom>
+          <a:solidFill>
+            <a:srgbClr val="FFFFFF">
+              <a:shade val="85000"/>
+            </a:srgbClr>
+          </a:solidFill>
+          <a:ln w="88900" cap="sq">
+            <a:solidFill>
+              <a:srgbClr val="FFFFFF"/>
+            </a:solidFill>
+            <a:miter lim="800000"/>
+          </a:ln>
+          <a:effectLst>
+            <a:outerShdw blurRad="55000" dist="18000" dir="5400000" algn="tl" rotWithShape="0">
+              <a:srgbClr val="000000">
+                <a:alpha val="40000"/>
+              </a:srgbClr>
+            </a:outerShdw>
+          </a:effectLst>
+          <a:scene3d>
+            <a:camera prst="orthographicFront"/>
+            <a:lightRig rig="twoPt" dir="t">
+              <a:rot lat="0" lon="0" rev="7200000"/>
+            </a:lightRig>
+          </a:scene3d>
+          <a:sp3d>
+            <a:bevelT w="25400" h="19050"/>
+            <a:contourClr>
+              <a:srgbClr val="FFFFFF"/>
+            </a:contourClr>
+          </a:sp3d>
+        </p:spPr>
+      </p:pic>
+    </p:spTree>
+    <p:extLst>
+      <p:ext uri="{BB962C8B-B14F-4D97-AF65-F5344CB8AC3E}">
+        <p14:creationId xmlns:p14="http://schemas.microsoft.com/office/powerpoint/2010/main" val="2424890252"/>
+      </p:ext>
+    </p:extLst>
+  </p:cSld>
+  <p:clrMapOvr>
+    <a:masterClrMapping/>
+  </p:clrMapOvr>
+</p:sld>
+</file>
+
+<file path=ppt/slides/slide5.xml><?xml version="1.0" encoding="utf-8"?>
+<p:sld xmlns:a="http://schemas.openxmlformats.org/drawingml/2006/main" xmlns:r="http://schemas.openxmlformats.org/officeDocument/2006/relationships" xmlns:p="http://schemas.openxmlformats.org/presentationml/2006/main">
+  <p:cSld>
+    <p:spTree>
+      <p:nvGrpSpPr>
+        <p:cNvPr id="1" name=""/>
+        <p:cNvGrpSpPr/>
+        <p:nvPr/>
+      </p:nvGrpSpPr>
+      <p:grpSpPr>
+        <a:xfrm>
+          <a:off x="0" y="0"/>
+          <a:ext cx="0" cy="0"/>
+          <a:chOff x="0" y="0"/>
+          <a:chExt cx="0" cy="0"/>
+        </a:xfrm>
+      </p:grpSpPr>
+      <p:sp>
+        <p:nvSpPr>
+          <p:cNvPr id="2" name="Title 1"/>
+          <p:cNvSpPr>
+            <a:spLocks noGrp="1"/>
+          </p:cNvSpPr>
+          <p:nvPr>
+            <p:ph type="title"/>
+          </p:nvPr>
+        </p:nvSpPr>
+        <p:spPr/>
+        <p:txBody>
+          <a:bodyPr/>
+          <a:lstStyle/>
+          <a:p>
+            <a:pPr algn="l"/>
+            <a:r>
+              <a:rPr lang="en-US" dirty="0" smtClean="0"/>
+              <a:t>Robot</a:t>
+            </a:r>
+            <a:endParaRPr lang="en-US" dirty="0"/>
+          </a:p>
+        </p:txBody>
+      </p:sp>
+      <p:sp>
+        <p:nvSpPr>
+          <p:cNvPr id="3" name="Content Placeholder 2"/>
+          <p:cNvSpPr>
+            <a:spLocks noGrp="1"/>
+          </p:cNvSpPr>
+          <p:nvPr>
+            <p:ph idx="1"/>
+          </p:nvPr>
+        </p:nvSpPr>
+        <p:spPr/>
+        <p:txBody>
+          <a:bodyPr/>
+          <a:lstStyle/>
+          <a:p>
+            <a:endParaRPr lang="en-US"/>
+          </a:p>
+        </p:txBody>
+      </p:sp>
+    </p:spTree>
+    <p:extLst>
+      <p:ext uri="{BB962C8B-B14F-4D97-AF65-F5344CB8AC3E}">
+        <p14:creationId xmlns:p14="http://schemas.microsoft.com/office/powerpoint/2010/main" val="555419712"/>
+      </p:ext>
+    </p:extLst>
+  </p:cSld>
+  <p:clrMapOvr>
+    <a:masterClrMapping/>
+  </p:clrMapOvr>
+</p:sld>
+</file>
+
+<file path=ppt/slides/slide6.xml><?xml version="1.0" encoding="utf-8"?>
+<p:sld xmlns:a="http://schemas.openxmlformats.org/drawingml/2006/main" xmlns:r="http://schemas.openxmlformats.org/officeDocument/2006/relationships" xmlns:p="http://schemas.openxmlformats.org/presentationml/2006/main">
+  <p:cSld>
+    <p:spTree>
+      <p:nvGrpSpPr>
+        <p:cNvPr id="1" name=""/>
+        <p:cNvGrpSpPr/>
+        <p:nvPr/>
+      </p:nvGrpSpPr>
+      <p:grpSpPr>
+        <a:xfrm>
+          <a:off x="0" y="0"/>
+          <a:ext cx="0" cy="0"/>
+          <a:chOff x="0" y="0"/>
+          <a:chExt cx="0" cy="0"/>
+        </a:xfrm>
+      </p:grpSpPr>
+      <p:sp>
+        <p:nvSpPr>
+          <p:cNvPr id="2" name="Title 1"/>
+          <p:cNvSpPr>
+            <a:spLocks noGrp="1"/>
+          </p:cNvSpPr>
+          <p:nvPr>
+            <p:ph type="title"/>
+          </p:nvPr>
+        </p:nvSpPr>
+        <p:spPr/>
+        <p:txBody>
+          <a:bodyPr/>
+          <a:lstStyle/>
+          <a:p>
+            <a:pPr algn="l"/>
+            <a:r>
+              <a:rPr lang="en-US" dirty="0" smtClean="0"/>
+              <a:t>Future Tasks</a:t>
+            </a:r>
+            <a:endParaRPr lang="en-US" dirty="0"/>
+          </a:p>
+        </p:txBody>
+      </p:sp>
+      <p:sp>
+        <p:nvSpPr>
+          <p:cNvPr id="3" name="Content Placeholder 2"/>
+          <p:cNvSpPr>
+            <a:spLocks noGrp="1"/>
+          </p:cNvSpPr>
+          <p:nvPr>
+            <p:ph idx="1"/>
+          </p:nvPr>
+        </p:nvSpPr>
+        <p:spPr/>
+        <p:txBody>
+          <a:bodyPr/>
+          <a:lstStyle/>
+          <a:p>
+            <a:r>
+              <a:rPr lang="en-US" dirty="0" smtClean="0"/>
+              <a:t>Integrate code into Jenkins</a:t>
+            </a:r>
+          </a:p>
+          <a:p>
+            <a:pPr lvl="1"/>
+            <a:r>
+              <a:rPr lang="en-US" dirty="0" smtClean="0"/>
+              <a:t>Allow continuous integration of code</a:t>
+            </a:r>
+          </a:p>
+          <a:p>
+            <a:r>
+              <a:rPr lang="en-US" dirty="0" smtClean="0"/>
+              <a:t>Scale up design area</a:t>
+            </a:r>
+          </a:p>
+          <a:p>
+            <a:pPr lvl="1"/>
+            <a:r>
+              <a:rPr lang="en-US" dirty="0" smtClean="0"/>
+              <a:t>Build a bigger testing area</a:t>
+            </a:r>
+          </a:p>
+          <a:p>
+            <a:r>
+              <a:rPr lang="en-US" dirty="0" smtClean="0"/>
+              <a:t>Give robot more abilities</a:t>
+            </a:r>
+          </a:p>
+          <a:p>
+            <a:pPr lvl="1"/>
+            <a:r>
+              <a:rPr lang="en-US" dirty="0" smtClean="0"/>
+              <a:t>Interact more with environment</a:t>
+            </a:r>
+          </a:p>
+          <a:p>
+            <a:r>
+              <a:rPr lang="en-US" dirty="0" smtClean="0"/>
+              <a:t>Integrate </a:t>
+            </a:r>
+            <a:r>
+              <a:rPr lang="en-US" dirty="0" err="1" smtClean="0"/>
+              <a:t>SimpleCV</a:t>
+            </a:r>
+            <a:r>
+              <a:rPr lang="en-US" dirty="0" smtClean="0"/>
+              <a:t> into Blender for </a:t>
+            </a:r>
+            <a:r>
+              <a:rPr lang="en-US" dirty="0" err="1" smtClean="0"/>
+              <a:t>realtime</a:t>
+            </a:r>
+            <a:r>
+              <a:rPr lang="en-US" dirty="0" smtClean="0"/>
+              <a:t> 3D data.</a:t>
+            </a:r>
+          </a:p>
+          <a:p>
+            <a:pPr lvl="1"/>
+            <a:endParaRPr lang="en-US" dirty="0" smtClean="0"/>
+          </a:p>
+        </p:txBody>
+      </p:sp>
+      <p:pic>
+        <p:nvPicPr>
+          <p:cNvPr id="4" name="Picture 3"/>
+          <p:cNvPicPr>
+            <a:picLocks noChangeAspect="1"/>
+          </p:cNvPicPr>
+          <p:nvPr/>
+        </p:nvPicPr>
+        <p:blipFill>
+          <a:blip r:embed="rId2">
+            <a:extLst>
+              <a:ext uri="{28A0092B-C50C-407E-A947-70E740481C1C}">
+                <a14:useLocalDpi xmlns:a14="http://schemas.microsoft.com/office/drawing/2010/main" val="0"/>
+              </a:ext>
+            </a:extLst>
+          </a:blip>
+          <a:stretch>
+            <a:fillRect/>
+          </a:stretch>
+        </p:blipFill>
+        <p:spPr>
+          <a:xfrm>
+            <a:off x="9882960" y="424520"/>
+            <a:ext cx="1642048" cy="2577739"/>
+          </a:xfrm>
+          <a:prstGeom prst="rect">
+            <a:avLst/>
+          </a:prstGeom>
+        </p:spPr>
+      </p:pic>
+      <p:pic>
+        <p:nvPicPr>
+          <p:cNvPr id="5" name="Picture 4"/>
+          <p:cNvPicPr>
+            <a:picLocks noChangeAspect="1"/>
+          </p:cNvPicPr>
+          <p:nvPr/>
+        </p:nvPicPr>
+        <p:blipFill>
+          <a:blip r:embed="rId3">
+            <a:extLst>
+              <a:ext uri="{28A0092B-C50C-407E-A947-70E740481C1C}">
+                <a14:useLocalDpi xmlns:a14="http://schemas.microsoft.com/office/drawing/2010/main" val="0"/>
+              </a:ext>
+            </a:extLst>
+          </a:blip>
+          <a:stretch>
+            <a:fillRect/>
+          </a:stretch>
+        </p:blipFill>
+        <p:spPr>
+          <a:xfrm>
+            <a:off x="5449394" y="3117669"/>
+            <a:ext cx="3878775" cy="1292925"/>
+          </a:xfrm>
+          <a:prstGeom prst="rect">
+            <a:avLst/>
+          </a:prstGeom>
+          <a:solidFill>
+            <a:srgbClr val="FFFFFF">
+              <a:shade val="85000"/>
+            </a:srgbClr>
+          </a:solidFill>
+          <a:ln w="88900" cap="sq">
+            <a:solidFill>
+              <a:srgbClr val="FFFFFF"/>
+            </a:solidFill>
+            <a:miter lim="800000"/>
+          </a:ln>
+          <a:effectLst>
+            <a:outerShdw blurRad="55000" dist="18000" dir="5400000" algn="tl" rotWithShape="0">
+              <a:srgbClr val="000000">
+                <a:alpha val="40000"/>
+              </a:srgbClr>
+            </a:outerShdw>
+          </a:effectLst>
+          <a:scene3d>
+            <a:camera prst="orthographicFront"/>
+            <a:lightRig rig="twoPt" dir="t">
+              <a:rot lat="0" lon="0" rev="7200000"/>
+            </a:lightRig>
+          </a:scene3d>
+          <a:sp3d>
+            <a:bevelT w="25400" h="19050"/>
+            <a:contourClr>
+              <a:srgbClr val="FFFFFF"/>
+            </a:contourClr>
+          </a:sp3d>
+        </p:spPr>
+      </p:pic>
+    </p:spTree>
+    <p:extLst>
+      <p:ext uri="{BB962C8B-B14F-4D97-AF65-F5344CB8AC3E}">
+        <p14:creationId xmlns:p14="http://schemas.microsoft.com/office/powerpoint/2010/main" val="3233466748"/>
       </p:ext>
     </p:extLst>
   </p:cSld>

--- a/Midterm Presentation.pptx
+++ b/Midterm Presentation.pptx
@@ -111,7 +111,7 @@
   </p:defaultTextStyle>
   <p:extLst>
     <p:ext uri="{EFAFB233-063F-42B5-8137-9DF3F51BA10A}">
-      <p15:sldGuideLst xmlns:p15="http://schemas.microsoft.com/office/powerpoint/2012/main"/>
+      <p15:sldGuideLst xmlns:p15="http://schemas.microsoft.com/office/powerpoint/2012/main" xmlns=""/>
     </p:ext>
   </p:extLst>
 </p:presentation>
@@ -6230,15 +6230,141 @@
             <p:ph idx="1"/>
           </p:nvPr>
         </p:nvSpPr>
-        <p:spPr/>
-        <p:txBody>
-          <a:bodyPr/>
-          <a:lstStyle/>
-          <a:p>
-            <a:endParaRPr lang="en-US"/>
-          </a:p>
-        </p:txBody>
-      </p:sp>
+        <p:spPr>
+          <a:xfrm>
+            <a:off x="913795" y="2096063"/>
+            <a:ext cx="10353762" cy="4351231"/>
+          </a:xfrm>
+        </p:spPr>
+        <p:txBody>
+          <a:bodyPr/>
+          <a:lstStyle/>
+          <a:p>
+            <a:r>
+              <a:rPr lang="en-US" dirty="0" smtClean="0"/>
+              <a:t>Description</a:t>
+            </a:r>
+            <a:endParaRPr lang="en-US" dirty="0" smtClean="0"/>
+          </a:p>
+          <a:p>
+            <a:pPr lvl="1"/>
+            <a:r>
+              <a:rPr lang="en-US" dirty="0" smtClean="0"/>
+              <a:t>The robot will run off a Raspberry Pi 2 and a </a:t>
+            </a:r>
+            <a:r>
+              <a:rPr lang="en-US" dirty="0" err="1" smtClean="0"/>
+              <a:t>Ryanteck</a:t>
+            </a:r>
+            <a:r>
+              <a:rPr lang="en-US" dirty="0" smtClean="0"/>
+              <a:t> motor driver</a:t>
+            </a:r>
+          </a:p>
+          <a:p>
+            <a:pPr lvl="1"/>
+            <a:r>
+              <a:rPr lang="en-US" dirty="0" smtClean="0"/>
+              <a:t>The motors and Pi will be powered by an external USB battery pack</a:t>
+            </a:r>
+            <a:endParaRPr lang="en-US" dirty="0" smtClean="0"/>
+          </a:p>
+          <a:p>
+            <a:r>
+              <a:rPr lang="en-US" dirty="0" smtClean="0"/>
+              <a:t>Completed</a:t>
+            </a:r>
+          </a:p>
+          <a:p>
+            <a:pPr lvl="1"/>
+            <a:r>
+              <a:rPr lang="en-US" dirty="0" smtClean="0"/>
+              <a:t>Code for keyboard controlled motion (waiting for the </a:t>
+            </a:r>
+            <a:r>
+              <a:rPr lang="en-US" dirty="0" err="1" smtClean="0"/>
+              <a:t>Ryanteck</a:t>
+            </a:r>
+            <a:r>
+              <a:rPr lang="en-US" dirty="0" smtClean="0"/>
+              <a:t> board to fully test)</a:t>
+            </a:r>
+          </a:p>
+          <a:p>
+            <a:pPr lvl="1"/>
+            <a:r>
+              <a:rPr lang="en-US" dirty="0" smtClean="0"/>
+              <a:t>Circuit for testing the Pi’s GPIO pins</a:t>
+            </a:r>
+            <a:endParaRPr lang="en-US" dirty="0"/>
+          </a:p>
+          <a:p>
+            <a:pPr lvl="1"/>
+            <a:r>
+              <a:rPr lang="en-US" dirty="0" smtClean="0"/>
+              <a:t>Sketch of tentative robot design</a:t>
+            </a:r>
+          </a:p>
+          <a:p>
+            <a:pPr marL="0" indent="0">
+              <a:buNone/>
+            </a:pPr>
+            <a:endParaRPr lang="en-US" dirty="0" smtClean="0"/>
+          </a:p>
+        </p:txBody>
+      </p:sp>
+      <p:pic>
+        <p:nvPicPr>
+          <p:cNvPr id="1026" name="Picture 2"/>
+          <p:cNvPicPr>
+            <a:picLocks noChangeAspect="1" noChangeArrowheads="1"/>
+          </p:cNvPicPr>
+          <p:nvPr/>
+        </p:nvPicPr>
+        <p:blipFill rotWithShape="1">
+          <a:blip r:embed="rId2">
+            <a:extLst>
+              <a:ext uri="{28A0092B-C50C-407E-A947-70E740481C1C}">
+                <a14:useLocalDpi xmlns:a14="http://schemas.microsoft.com/office/drawing/2010/main" val="0"/>
+              </a:ext>
+            </a:extLst>
+          </a:blip>
+          <a:srcRect l="16339" t="56593" r="73766" b="26080"/>
+          <a:stretch/>
+        </p:blipFill>
+        <p:spPr bwMode="auto">
+          <a:xfrm>
+            <a:off x="9314481" y="402957"/>
+            <a:ext cx="1999281" cy="2231755"/>
+          </a:xfrm>
+          <a:prstGeom prst="rect">
+            <a:avLst/>
+          </a:prstGeom>
+          <a:noFill/>
+          <a:ln>
+            <a:noFill/>
+          </a:ln>
+          <a:extLst>
+            <a:ext uri="{909E8E84-426E-40DD-AFC4-6F175D3DCCD1}">
+              <a14:hiddenFill xmlns:a14="http://schemas.microsoft.com/office/drawing/2010/main">
+                <a:solidFill>
+                  <a:schemeClr val="accent1"/>
+                </a:solidFill>
+              </a14:hiddenFill>
+            </a:ext>
+            <a:ext uri="{91240B29-F687-4F45-9708-019B960494DF}">
+              <a14:hiddenLine xmlns:a14="http://schemas.microsoft.com/office/drawing/2010/main" w="9525">
+                <a:solidFill>
+                  <a:schemeClr val="tx1"/>
+                </a:solidFill>
+                <a:miter lim="800000"/>
+                <a:headEnd/>
+                <a:tailEnd/>
+              </a14:hiddenLine>
+            </a:ext>
+          </a:extLst>
+        </p:spPr>
+      </p:pic>
     </p:spTree>
     <p:extLst>
       <p:ext uri="{BB962C8B-B14F-4D97-AF65-F5344CB8AC3E}">
@@ -6727,7 +6853,7 @@
   <a:extraClrSchemeLst/>
   <a:extLst>
     <a:ext uri="{05A4C25C-085E-4340-85A3-A5531E510DB2}">
-      <thm15:themeFamily xmlns:thm15="http://schemas.microsoft.com/office/thememl/2012/main" name="Damask" id="{F9A299A0-33D0-4E0F-9F3F-7163E3744208}" vid="{746EEEEA-FB6A-406B-B510-531588D54811}"/>
+      <thm15:themeFamily xmlns:thm15="http://schemas.microsoft.com/office/thememl/2012/main" xmlns="" name="Damask" id="{F9A299A0-33D0-4E0F-9F3F-7163E3744208}" vid="{746EEEEA-FB6A-406B-B510-531588D54811}"/>
     </a:ext>
   </a:extLst>
 </a:theme>
